--- a/Display_ideas.pptx
+++ b/Display_ideas.pptx
@@ -5,7 +5,7 @@
     <p:sldMasterId id="2147483648" r:id="rId1"/>
   </p:sldMasterIdLst>
   <p:sldIdLst>
-    <p:sldId id="258" r:id="rId2"/>
+    <p:sldId id="263" r:id="rId2"/>
     <p:sldId id="262" r:id="rId3"/>
   </p:sldIdLst>
   <p:sldSz cx="12192000" cy="6858000"/>
@@ -3329,10 +3329,10 @@
       </p:grpSpPr>
       <p:pic>
         <p:nvPicPr>
-          <p:cNvPr id="8" name="Picture 7" descr="A white background with blue lines&#10;&#10;Description automatically generated">
-            <a:extLst>
-              <a:ext uri="{FF2B5EF4-FFF2-40B4-BE49-F238E27FC236}">
-                <a16:creationId xmlns:a16="http://schemas.microsoft.com/office/drawing/2014/main" id="{7849D378-BC2F-9A71-8963-7223F0B16552}"/>
+          <p:cNvPr id="28" name="Picture 27" descr="A blue and white calendar&#10;&#10;Description automatically generated">
+            <a:extLst>
+              <a:ext uri="{FF2B5EF4-FFF2-40B4-BE49-F238E27FC236}">
+                <a16:creationId xmlns:a16="http://schemas.microsoft.com/office/drawing/2014/main" id="{D3C73E67-77D7-D831-BA11-79A6FA49043D}"/>
               </a:ext>
             </a:extLst>
           </p:cNvPr>
@@ -3355,74 +3355,8 @@
         </p:blipFill>
         <p:spPr>
           <a:xfrm>
-            <a:off x="548449" y="253164"/>
-            <a:ext cx="11054621" cy="2632647"/>
-          </a:xfrm>
-          <a:prstGeom prst="rect">
-            <a:avLst/>
-          </a:prstGeom>
-          <a:solidFill>
-            <a:srgbClr val="FFFFFF">
-              <a:shade val="85000"/>
-            </a:srgbClr>
-          </a:solidFill>
-          <a:ln w="88900" cap="sq">
-            <a:solidFill>
-              <a:srgbClr val="FFFFFF"/>
-            </a:solidFill>
-            <a:miter lim="800000"/>
-          </a:ln>
-          <a:effectLst>
-            <a:outerShdw blurRad="55000" dist="18000" dir="5400000" algn="tl" rotWithShape="0">
-              <a:srgbClr val="000000">
-                <a:alpha val="40000"/>
-              </a:srgbClr>
-            </a:outerShdw>
-          </a:effectLst>
-          <a:scene3d>
-            <a:camera prst="orthographicFront"/>
-            <a:lightRig rig="twoPt" dir="t">
-              <a:rot lat="0" lon="0" rev="7200000"/>
-            </a:lightRig>
-          </a:scene3d>
-          <a:sp3d>
-            <a:bevelT w="25400" h="19050"/>
-            <a:contourClr>
-              <a:srgbClr val="FFFFFF"/>
-            </a:contourClr>
-          </a:sp3d>
-        </p:spPr>
-      </p:pic>
-      <p:pic>
-        <p:nvPicPr>
-          <p:cNvPr id="17" name="Picture 16" descr="A graph with blue and white bars&#10;&#10;Description automatically generated with medium confidence">
-            <a:extLst>
-              <a:ext uri="{FF2B5EF4-FFF2-40B4-BE49-F238E27FC236}">
-                <a16:creationId xmlns:a16="http://schemas.microsoft.com/office/drawing/2014/main" id="{095BA9AD-137D-9B93-6A66-220C89BB1975}"/>
-              </a:ext>
-            </a:extLst>
-          </p:cNvPr>
-          <p:cNvPicPr>
-            <a:picLocks noChangeAspect="1"/>
-          </p:cNvPicPr>
-          <p:nvPr/>
-        </p:nvPicPr>
-        <p:blipFill>
-          <a:blip r:embed="rId3">
-            <a:extLst>
-              <a:ext uri="{28A0092B-C50C-407E-A947-70E740481C1C}">
-                <a14:useLocalDpi xmlns:a14="http://schemas.microsoft.com/office/drawing/2010/main" val="0"/>
-              </a:ext>
-            </a:extLst>
-          </a:blip>
-          <a:stretch>
-            <a:fillRect/>
-          </a:stretch>
-        </p:blipFill>
-        <p:spPr>
-          <a:xfrm>
-            <a:off x="485628" y="3136709"/>
-            <a:ext cx="5734345" cy="3721291"/>
+            <a:off x="6208316" y="309481"/>
+            <a:ext cx="5512083" cy="2730640"/>
           </a:xfrm>
           <a:prstGeom prst="rect">
             <a:avLst/>
@@ -3431,10 +3365,46 @@
       </p:pic>
       <p:pic>
         <p:nvPicPr>
-          <p:cNvPr id="28" name="Picture 27" descr="A blue and white calendar&#10;&#10;Description automatically generated">
-            <a:extLst>
-              <a:ext uri="{FF2B5EF4-FFF2-40B4-BE49-F238E27FC236}">
-                <a16:creationId xmlns:a16="http://schemas.microsoft.com/office/drawing/2014/main" id="{D3C73E67-77D7-D831-BA11-79A6FA49043D}"/>
+          <p:cNvPr id="3" name="Picture 2" descr="A graph of blue and white bars&#10;&#10;Description automatically generated">
+            <a:extLst>
+              <a:ext uri="{FF2B5EF4-FFF2-40B4-BE49-F238E27FC236}">
+                <a16:creationId xmlns:a16="http://schemas.microsoft.com/office/drawing/2014/main" id="{7D018296-2AD1-02B7-629E-25D6E4B64AEE}"/>
+              </a:ext>
+            </a:extLst>
+          </p:cNvPr>
+          <p:cNvPicPr>
+            <a:picLocks noChangeAspect="1"/>
+          </p:cNvPicPr>
+          <p:nvPr/>
+        </p:nvPicPr>
+        <p:blipFill>
+          <a:blip r:embed="rId3">
+            <a:extLst>
+              <a:ext uri="{28A0092B-C50C-407E-A947-70E740481C1C}">
+                <a14:useLocalDpi xmlns:a14="http://schemas.microsoft.com/office/drawing/2010/main" val="0"/>
+              </a:ext>
+            </a:extLst>
+          </a:blip>
+          <a:stretch>
+            <a:fillRect/>
+          </a:stretch>
+        </p:blipFill>
+        <p:spPr>
+          <a:xfrm>
+            <a:off x="612161" y="861657"/>
+            <a:ext cx="5048509" cy="4883401"/>
+          </a:xfrm>
+          <a:prstGeom prst="rect">
+            <a:avLst/>
+          </a:prstGeom>
+        </p:spPr>
+      </p:pic>
+      <p:pic>
+        <p:nvPicPr>
+          <p:cNvPr id="5" name="Picture 4" descr="A blue and white rectangular box with black text&#10;&#10;Description automatically generated with medium confidence">
+            <a:extLst>
+              <a:ext uri="{FF2B5EF4-FFF2-40B4-BE49-F238E27FC236}">
+                <a16:creationId xmlns:a16="http://schemas.microsoft.com/office/drawing/2014/main" id="{73CDEFA8-77F0-FA5F-2256-4013F8AA2FC4}"/>
               </a:ext>
             </a:extLst>
           </p:cNvPr>
@@ -3457,8 +3427,8 @@
         </p:blipFill>
         <p:spPr>
           <a:xfrm>
-            <a:off x="6299058" y="3632034"/>
-            <a:ext cx="5512083" cy="2730640"/>
+            <a:off x="6208316" y="3206010"/>
+            <a:ext cx="5598535" cy="2730640"/>
           </a:xfrm>
           <a:prstGeom prst="rect">
             <a:avLst/>
@@ -3468,7 +3438,7 @@
     </p:spTree>
     <p:extLst>
       <p:ext uri="{BB962C8B-B14F-4D97-AF65-F5344CB8AC3E}">
-        <p14:creationId xmlns:p14="http://schemas.microsoft.com/office/powerpoint/2010/main" val="2224139896"/>
+        <p14:creationId xmlns:p14="http://schemas.microsoft.com/office/powerpoint/2010/main" val="3838104021"/>
       </p:ext>
     </p:extLst>
   </p:cSld>
@@ -3497,10 +3467,10 @@
       </p:grpSpPr>
       <p:pic>
         <p:nvPicPr>
-          <p:cNvPr id="6" name="Picture 5" descr="A graph of a graph with colored circles&#10;&#10;Description automatically generated with medium confidence">
-            <a:extLst>
-              <a:ext uri="{FF2B5EF4-FFF2-40B4-BE49-F238E27FC236}">
-                <a16:creationId xmlns:a16="http://schemas.microsoft.com/office/drawing/2014/main" id="{C939E08F-3D67-51A5-7F5D-D9A617B435FF}"/>
+          <p:cNvPr id="3" name="Picture 2" descr="A diagram of a box office&#10;&#10;Description automatically generated">
+            <a:extLst>
+              <a:ext uri="{FF2B5EF4-FFF2-40B4-BE49-F238E27FC236}">
+                <a16:creationId xmlns:a16="http://schemas.microsoft.com/office/drawing/2014/main" id="{C09F2AE5-4A4E-AAFF-6AAB-B5A38EA5D932}"/>
               </a:ext>
             </a:extLst>
           </p:cNvPr>
@@ -3523,8 +3493,8 @@
         </p:blipFill>
         <p:spPr>
           <a:xfrm>
-            <a:off x="509772" y="4856034"/>
-            <a:ext cx="3372839" cy="1543073"/>
+            <a:off x="1783697" y="613432"/>
+            <a:ext cx="9469640" cy="3602580"/>
           </a:xfrm>
           <a:prstGeom prst="rect">
             <a:avLst/>
@@ -3533,10 +3503,10 @@
       </p:pic>
       <p:pic>
         <p:nvPicPr>
-          <p:cNvPr id="7" name="Picture 6" descr="A graph with dots and numbers&#10;&#10;Description automatically generated">
-            <a:extLst>
-              <a:ext uri="{FF2B5EF4-FFF2-40B4-BE49-F238E27FC236}">
-                <a16:creationId xmlns:a16="http://schemas.microsoft.com/office/drawing/2014/main" id="{D027BB82-A3F4-AE1B-594F-9A4D0DBA5C6C}"/>
+          <p:cNvPr id="9" name="Picture 8" descr="A graph of a line of blue dots&#10;&#10;Description automatically generated">
+            <a:extLst>
+              <a:ext uri="{FF2B5EF4-FFF2-40B4-BE49-F238E27FC236}">
+                <a16:creationId xmlns:a16="http://schemas.microsoft.com/office/drawing/2014/main" id="{2EEB1408-D496-1C32-0DF6-3AA9D79271A2}"/>
               </a:ext>
             </a:extLst>
           </p:cNvPr>
@@ -3559,8 +3529,8 @@
         </p:blipFill>
         <p:spPr>
           <a:xfrm>
-            <a:off x="4498506" y="4911247"/>
-            <a:ext cx="3324828" cy="1487860"/>
+            <a:off x="816500" y="4155914"/>
+            <a:ext cx="5016758" cy="2482978"/>
           </a:xfrm>
           <a:prstGeom prst="rect">
             <a:avLst/>
@@ -3569,10 +3539,10 @@
       </p:pic>
       <p:pic>
         <p:nvPicPr>
-          <p:cNvPr id="8" name="Picture 7" descr="A graph with many colored circles&#10;&#10;Description automatically generated">
-            <a:extLst>
-              <a:ext uri="{FF2B5EF4-FFF2-40B4-BE49-F238E27FC236}">
-                <a16:creationId xmlns:a16="http://schemas.microsoft.com/office/drawing/2014/main" id="{E2268D65-3B9A-4F34-0B1D-65BA4EC7B5E6}"/>
+          <p:cNvPr id="11" name="Picture 10" descr="A graph of blue circles&#10;&#10;Description automatically generated">
+            <a:extLst>
+              <a:ext uri="{FF2B5EF4-FFF2-40B4-BE49-F238E27FC236}">
+                <a16:creationId xmlns:a16="http://schemas.microsoft.com/office/drawing/2014/main" id="{462A5262-0811-4F16-DC63-61434954BD94}"/>
               </a:ext>
             </a:extLst>
           </p:cNvPr>
@@ -3595,44 +3565,8 @@
         </p:blipFill>
         <p:spPr>
           <a:xfrm>
-            <a:off x="8306612" y="4864467"/>
-            <a:ext cx="3372838" cy="1534640"/>
-          </a:xfrm>
-          <a:prstGeom prst="rect">
-            <a:avLst/>
-          </a:prstGeom>
-        </p:spPr>
-      </p:pic>
-      <p:pic>
-        <p:nvPicPr>
-          <p:cNvPr id="4" name="Picture 3" descr="A diagram of a box office&#10;&#10;Description automatically generated">
-            <a:extLst>
-              <a:ext uri="{FF2B5EF4-FFF2-40B4-BE49-F238E27FC236}">
-                <a16:creationId xmlns:a16="http://schemas.microsoft.com/office/drawing/2014/main" id="{AE8A03F7-AF24-C153-3121-CC5A7F479B81}"/>
-              </a:ext>
-            </a:extLst>
-          </p:cNvPr>
-          <p:cNvPicPr>
-            <a:picLocks noChangeAspect="1"/>
-          </p:cNvPicPr>
-          <p:nvPr/>
-        </p:nvPicPr>
-        <p:blipFill>
-          <a:blip r:embed="rId5">
-            <a:extLst>
-              <a:ext uri="{28A0092B-C50C-407E-A947-70E740481C1C}">
-                <a14:useLocalDpi xmlns:a14="http://schemas.microsoft.com/office/drawing/2010/main" val="0"/>
-              </a:ext>
-            </a:extLst>
-          </a:blip>
-          <a:stretch>
-            <a:fillRect/>
-          </a:stretch>
-        </p:blipFill>
-        <p:spPr>
-          <a:xfrm>
-            <a:off x="915709" y="736600"/>
-            <a:ext cx="9876251" cy="3702101"/>
+            <a:off x="6025393" y="4136863"/>
+            <a:ext cx="5035809" cy="2502029"/>
           </a:xfrm>
           <a:prstGeom prst="rect">
             <a:avLst/>
